--- a/FrontEndWorkshop-Week5.pptx
+++ b/FrontEndWorkshop-Week5.pptx
@@ -253,7 +253,7 @@
           <a:p>
             <a:fld id="{A8E03A04-0626-44D4-B6D6-43B9D98023FD}" type="datetimeFigureOut">
               <a:rPr lang="en-US" smtClean="0"/>
-              <a:t>11/7/16</a:t>
+              <a:t>11/8/16</a:t>
             </a:fld>
             <a:endParaRPr lang="en-US"/>
           </a:p>
@@ -7469,14 +7469,14 @@
           </a:ln>
           <a:extLst>
             <a:ext uri="{909E8E84-426E-40dd-AFC4-6F175D3DCCD1}">
-              <a14:hiddenFill xmlns:a14="http://schemas.microsoft.com/office/drawing/2010/main" xmlns="">
+              <a14:hiddenFill xmlns="" xmlns:a14="http://schemas.microsoft.com/office/drawing/2010/main">
                 <a:solidFill>
                   <a:srgbClr val="FFFFFF"/>
                 </a:solidFill>
               </a14:hiddenFill>
             </a:ext>
             <a:ext uri="{91240B29-F687-4f45-9708-019B960494DF}">
-              <a14:hiddenLine xmlns:a14="http://schemas.microsoft.com/office/drawing/2010/main" xmlns="" w="12700">
+              <a14:hiddenLine xmlns="" xmlns:a14="http://schemas.microsoft.com/office/drawing/2010/main" w="12700">
                 <a:solidFill>
                   <a:srgbClr val="000000"/>
                 </a:solidFill>
@@ -8039,14 +8039,14 @@
           </a:ln>
           <a:extLst>
             <a:ext uri="{909E8E84-426E-40dd-AFC4-6F175D3DCCD1}">
-              <a14:hiddenFill xmlns:a14="http://schemas.microsoft.com/office/drawing/2010/main" xmlns="">
+              <a14:hiddenFill xmlns="" xmlns:a14="http://schemas.microsoft.com/office/drawing/2010/main">
                 <a:solidFill>
                   <a:srgbClr val="FFFFFF"/>
                 </a:solidFill>
               </a14:hiddenFill>
             </a:ext>
             <a:ext uri="{91240B29-F687-4f45-9708-019B960494DF}">
-              <a14:hiddenLine xmlns:a14="http://schemas.microsoft.com/office/drawing/2010/main" xmlns="" w="12700">
+              <a14:hiddenLine xmlns="" xmlns:a14="http://schemas.microsoft.com/office/drawing/2010/main" w="12700">
                 <a:solidFill>
                   <a:srgbClr val="000000"/>
                 </a:solidFill>
@@ -8146,14 +8146,14 @@
           </a:ln>
           <a:extLst>
             <a:ext uri="{909E8E84-426E-40dd-AFC4-6F175D3DCCD1}">
-              <a14:hiddenFill xmlns:a14="http://schemas.microsoft.com/office/drawing/2010/main" xmlns="">
+              <a14:hiddenFill xmlns="" xmlns:a14="http://schemas.microsoft.com/office/drawing/2010/main">
                 <a:solidFill>
                   <a:srgbClr val="FFFFFF"/>
                 </a:solidFill>
               </a14:hiddenFill>
             </a:ext>
             <a:ext uri="{91240B29-F687-4f45-9708-019B960494DF}">
-              <a14:hiddenLine xmlns:a14="http://schemas.microsoft.com/office/drawing/2010/main" xmlns="" w="12700">
+              <a14:hiddenLine xmlns="" xmlns:a14="http://schemas.microsoft.com/office/drawing/2010/main" w="12700">
                 <a:solidFill>
                   <a:srgbClr val="000000"/>
                 </a:solidFill>
@@ -14060,18 +14060,7 @@
                 <a:ea typeface="DIN Alternate" charset="0"/>
                 <a:cs typeface="DIN Alternate" charset="0"/>
               </a:rPr>
-              <a:t>Deploys</a:t>
-            </a:r>
-            <a:r>
-              <a:rPr lang="en-US" sz="2800" smtClean="0">
-                <a:solidFill>
-                  <a:schemeClr val="bg1"/>
-                </a:solidFill>
-                <a:latin typeface="DIN Alternate" charset="0"/>
-                <a:ea typeface="DIN Alternate" charset="0"/>
-                <a:cs typeface="DIN Alternate" charset="0"/>
-              </a:rPr>
-              <a:t>”</a:t>
+              <a:t>Deploys”</a:t>
             </a:r>
             <a:endParaRPr lang="en-US" sz="2800" dirty="0" smtClean="0">
               <a:solidFill>
@@ -14518,7 +14507,7 @@
                 <a:ea typeface="DIN Alternate" charset="0"/>
                 <a:cs typeface="DIN Alternate" charset="0"/>
               </a:rPr>
-              <a:t> (</a:t>
+              <a:t> </a:t>
             </a:r>
             <a:r>
               <a:rPr lang="en-US" sz="2800" dirty="0">
@@ -14528,6 +14517,17 @@
                 <a:latin typeface="DIN Alternate" charset="0"/>
                 <a:ea typeface="DIN Alternate" charset="0"/>
                 <a:cs typeface="DIN Alternate" charset="0"/>
+              </a:rPr>
+              <a:t>(</a:t>
+            </a:r>
+            <a:r>
+              <a:rPr lang="en-US" sz="2800" dirty="0">
+                <a:solidFill>
+                  <a:schemeClr val="bg1"/>
+                </a:solidFill>
+                <a:latin typeface="DIN Alternate" charset="0"/>
+                <a:ea typeface="DIN Alternate" charset="0"/>
+                <a:cs typeface="DIN Alternate" charset="0"/>
                 <a:hlinkClick r:id="rId4"/>
               </a:rPr>
               <a:t>https://</a:t>
@@ -14542,19 +14542,22 @@
                 <a:cs typeface="DIN Alternate" charset="0"/>
                 <a:hlinkClick r:id="rId4"/>
               </a:rPr>
-              <a:t>github.com/glenelkins/front-end-workshop)</a:t>
-            </a:r>
-            <a:endParaRPr lang="en-US" sz="2800" dirty="0" smtClean="0">
-              <a:solidFill>
-                <a:schemeClr val="bg1"/>
-              </a:solidFill>
-              <a:latin typeface="DIN Alternate" charset="0"/>
-              <a:ea typeface="DIN Alternate" charset="0"/>
-              <a:cs typeface="DIN Alternate" charset="0"/>
-            </a:endParaRPr>
-          </a:p>
-          <a:p>
-            <a:pPr marL="457200" indent="-457200">
+              <a:t>github.com/glenb0/frontendworkshop</a:t>
+            </a:r>
+            <a:r>
+              <a:rPr lang="en-US" sz="2800" dirty="0" smtClean="0">
+                <a:solidFill>
+                  <a:schemeClr val="bg1"/>
+                </a:solidFill>
+                <a:latin typeface="DIN Alternate" charset="0"/>
+                <a:ea typeface="DIN Alternate" charset="0"/>
+                <a:cs typeface="DIN Alternate" charset="0"/>
+              </a:rPr>
+              <a:t>)</a:t>
+            </a:r>
+          </a:p>
+          <a:p>
+            <a:pPr marL="914400" lvl="1" indent="-457200">
               <a:lnSpc>
                 <a:spcPct val="150000"/>
               </a:lnSpc>
@@ -14570,7 +14573,18 @@
                 <a:ea typeface="DIN Alternate" charset="0"/>
                 <a:cs typeface="DIN Alternate" charset="0"/>
               </a:rPr>
-              <a:t>Local environment</a:t>
+              <a:t>Local </a:t>
+            </a:r>
+            <a:r>
+              <a:rPr lang="en-US" sz="2800" dirty="0" smtClean="0">
+                <a:solidFill>
+                  <a:schemeClr val="bg1"/>
+                </a:solidFill>
+                <a:latin typeface="DIN Alternate" charset="0"/>
+                <a:ea typeface="DIN Alternate" charset="0"/>
+                <a:cs typeface="DIN Alternate" charset="0"/>
+              </a:rPr>
+              <a:t>environment</a:t>
             </a:r>
           </a:p>
           <a:p>
